--- a/slides/10701/Multimedia_System/[W4] Foundation of Computer Vision.pptx
+++ b/slides/10701/Multimedia_System/[W4] Foundation of Computer Vision.pptx
@@ -5,7 +5,7 @@
     <p:sldMasterId id="2147483696" r:id="rId1"/>
   </p:sldMasterIdLst>
   <p:notesMasterIdLst>
-    <p:notesMasterId r:id="rId31"/>
+    <p:notesMasterId r:id="rId32"/>
   </p:notesMasterIdLst>
   <p:sldIdLst>
     <p:sldId id="256" r:id="rId2"/>
@@ -36,7 +36,8 @@
     <p:sldId id="379" r:id="rId27"/>
     <p:sldId id="382" r:id="rId28"/>
     <p:sldId id="383" r:id="rId29"/>
-    <p:sldId id="279" r:id="rId30"/>
+    <p:sldId id="391" r:id="rId30"/>
+    <p:sldId id="279" r:id="rId31"/>
   </p:sldIdLst>
   <p:sldSz cx="12192000" cy="6858000"/>
   <p:notesSz cx="6858000" cy="9144000"/>
@@ -11631,14 +11632,7 @@
                 <a:latin typeface="微軟正黑體" panose="020B0604030504040204" pitchFamily="34" charset="-120"/>
                 <a:ea typeface="微軟正黑體" panose="020B0604030504040204" pitchFamily="34" charset="-120"/>
               </a:rPr>
-              <a:t>手寫數字</a:t>
-            </a:r>
-            <a:r>
-              <a:rPr lang="zh-TW" altLang="en-US" sz="4000" b="1" dirty="0" smtClean="0">
-                <a:latin typeface="微軟正黑體" panose="020B0604030504040204" pitchFamily="34" charset="-120"/>
-                <a:ea typeface="微軟正黑體" panose="020B0604030504040204" pitchFamily="34" charset="-120"/>
-              </a:rPr>
-              <a:t>辨識</a:t>
+              <a:t>手寫數字辨識</a:t>
             </a:r>
             <a:endParaRPr lang="zh-TW" altLang="en-US" sz="4000" b="1" dirty="0">
               <a:latin typeface="微軟正黑體" panose="020B0604030504040204" pitchFamily="34" charset="-120"/>
@@ -11747,14 +11741,7 @@
                 <a:latin typeface="微軟正黑體" panose="020B0604030504040204" pitchFamily="34" charset="-120"/>
                 <a:ea typeface="微軟正黑體" panose="020B0604030504040204" pitchFamily="34" charset="-120"/>
               </a:rPr>
-              <a:t>手寫數字</a:t>
-            </a:r>
-            <a:r>
-              <a:rPr lang="zh-TW" altLang="en-US" sz="4000" b="1" dirty="0" smtClean="0">
-                <a:latin typeface="微軟正黑體" panose="020B0604030504040204" pitchFamily="34" charset="-120"/>
-                <a:ea typeface="微軟正黑體" panose="020B0604030504040204" pitchFamily="34" charset="-120"/>
-              </a:rPr>
-              <a:t>辨識</a:t>
+              <a:t>手寫數字辨識</a:t>
             </a:r>
             <a:endParaRPr lang="zh-TW" altLang="en-US" sz="4000" b="1" dirty="0">
               <a:latin typeface="微軟正黑體" panose="020B0604030504040204" pitchFamily="34" charset="-120"/>
@@ -12530,7 +12517,7 @@
               <a:rPr lang="zh-TW" altLang="en-US" smtClean="0"/>
               <a:t>28</a:t>
             </a:fld>
-            <a:endParaRPr lang="zh-TW" altLang="en-US"/>
+            <a:endParaRPr lang="zh-TW" altLang="en-US" dirty="0"/>
           </a:p>
         </p:txBody>
       </p:sp>
@@ -12652,69 +12639,97 @@
       </p:grpSpPr>
       <p:sp>
         <p:nvSpPr>
-          <p:cNvPr id="6" name="標題 5"/>
-          <p:cNvSpPr>
-            <a:spLocks noGrp="1"/>
-          </p:cNvSpPr>
-          <p:nvPr>
-            <p:ph type="ctrTitle"/>
+          <p:cNvPr id="2" name="標題 1"/>
+          <p:cNvSpPr>
+            <a:spLocks noGrp="1"/>
+          </p:cNvSpPr>
+          <p:nvPr>
+            <p:ph type="title"/>
           </p:nvPr>
         </p:nvSpPr>
         <p:spPr/>
+        <p:txBody>
+          <a:bodyPr>
+            <a:normAutofit/>
+          </a:bodyPr>
+          <a:lstStyle/>
+          <a:p>
+            <a:pPr algn="ctr"/>
+            <a:r>
+              <a:rPr lang="zh-TW" altLang="en-US" sz="4000" b="1" dirty="0">
+                <a:latin typeface="微軟正黑體" panose="020B0604030504040204" pitchFamily="34" charset="-120"/>
+                <a:ea typeface="微軟正黑體" panose="020B0604030504040204" pitchFamily="34" charset="-120"/>
+              </a:rPr>
+              <a:t>智慧視覺系統機器人</a:t>
+            </a:r>
+          </a:p>
+        </p:txBody>
+      </p:sp>
+      <p:sp>
+        <p:nvSpPr>
+          <p:cNvPr id="7" name="投影片編號版面配置區 2"/>
+          <p:cNvSpPr>
+            <a:spLocks noGrp="1"/>
+          </p:cNvSpPr>
+          <p:nvPr>
+            <p:ph type="sldNum" sz="quarter" idx="12"/>
+          </p:nvPr>
+        </p:nvSpPr>
+        <p:spPr>
+          <a:xfrm>
+            <a:off x="10266060" y="5870575"/>
+            <a:ext cx="551167" cy="377825"/>
+          </a:xfrm>
+        </p:spPr>
         <p:txBody>
           <a:bodyPr/>
           <a:lstStyle/>
           <a:p>
             <a:r>
-              <a:rPr lang="en-US" altLang="zh-TW" b="1" dirty="0" smtClean="0">
-                <a:latin typeface="微軟正黑體" panose="020B0604030504040204" pitchFamily="34" charset="-120"/>
-                <a:ea typeface="微軟正黑體" panose="020B0604030504040204" pitchFamily="34" charset="-120"/>
-              </a:rPr>
-              <a:t>Thank you</a:t>
-            </a:r>
-            <a:endParaRPr lang="zh-TW" altLang="en-US" b="1" dirty="0">
-              <a:latin typeface="微軟正黑體" panose="020B0604030504040204" pitchFamily="34" charset="-120"/>
-              <a:ea typeface="微軟正黑體" panose="020B0604030504040204" pitchFamily="34" charset="-120"/>
-            </a:endParaRPr>
-          </a:p>
-        </p:txBody>
-      </p:sp>
-      <p:sp>
-        <p:nvSpPr>
-          <p:cNvPr id="7" name="副標題 6"/>
-          <p:cNvSpPr>
-            <a:spLocks noGrp="1"/>
-          </p:cNvSpPr>
-          <p:nvPr>
-            <p:ph type="subTitle" idx="1"/>
-          </p:nvPr>
-        </p:nvSpPr>
-        <p:spPr/>
-        <p:txBody>
-          <a:bodyPr/>
-          <a:lstStyle/>
-          <a:p>
-            <a:endParaRPr lang="zh-TW" altLang="en-US"/>
-          </a:p>
-        </p:txBody>
-      </p:sp>
+              <a:rPr lang="en-US" altLang="zh-TW" dirty="0" smtClean="0"/>
+              <a:t>29</a:t>
+            </a:r>
+            <a:endParaRPr lang="zh-TW" altLang="en-US" dirty="0"/>
+          </a:p>
+        </p:txBody>
+      </p:sp>
+      <p:pic>
+        <p:nvPicPr>
+          <p:cNvPr id="9" name="4xpon-wtOJs"/>
+          <p:cNvPicPr>
+            <a:picLocks noGrp="1" noRot="1" noChangeAspect="1"/>
+          </p:cNvPicPr>
+          <p:nvPr>
+            <p:ph idx="1"/>
+            <a:videoFile r:link="rId1"/>
+          </p:nvPr>
+        </p:nvPicPr>
+        <p:blipFill>
+          <a:blip r:embed="rId3"/>
+          <a:stretch>
+            <a:fillRect/>
+          </a:stretch>
+        </p:blipFill>
+        <p:spPr>
+          <a:xfrm>
+            <a:off x="2404581" y="1892131"/>
+            <a:ext cx="6693865" cy="4671761"/>
+          </a:xfrm>
+          <a:prstGeom prst="rect">
+            <a:avLst/>
+          </a:prstGeom>
+        </p:spPr>
+      </p:pic>
     </p:spTree>
     <p:extLst>
       <p:ext uri="{BB962C8B-B14F-4D97-AF65-F5344CB8AC3E}">
-        <p14:creationId xmlns:p14="http://schemas.microsoft.com/office/powerpoint/2010/main" val="3258819667"/>
+        <p14:creationId xmlns:p14="http://schemas.microsoft.com/office/powerpoint/2010/main" val="1647035935"/>
       </p:ext>
     </p:extLst>
   </p:cSld>
   <p:clrMapOvr>
     <a:masterClrMapping/>
   </p:clrMapOvr>
-  <p:timing>
-    <p:tnLst>
-      <p:par>
-        <p:cTn id="1" dur="indefinite" restart="never" nodeType="tmRoot"/>
-      </p:par>
-    </p:tnLst>
-  </p:timing>
 </p:sld>
 </file>
 
@@ -12832,6 +12847,91 @@
   <p:clrMapOvr>
     <a:masterClrMapping/>
   </p:clrMapOvr>
+</p:sld>
+</file>
+
+<file path=ppt/slides/slide30.xml><?xml version="1.0" encoding="utf-8"?>
+<p:sld xmlns:a="http://schemas.openxmlformats.org/drawingml/2006/main" xmlns:r="http://schemas.openxmlformats.org/officeDocument/2006/relationships" xmlns:p="http://schemas.openxmlformats.org/presentationml/2006/main">
+  <p:cSld>
+    <p:spTree>
+      <p:nvGrpSpPr>
+        <p:cNvPr id="1" name=""/>
+        <p:cNvGrpSpPr/>
+        <p:nvPr/>
+      </p:nvGrpSpPr>
+      <p:grpSpPr>
+        <a:xfrm>
+          <a:off x="0" y="0"/>
+          <a:ext cx="0" cy="0"/>
+          <a:chOff x="0" y="0"/>
+          <a:chExt cx="0" cy="0"/>
+        </a:xfrm>
+      </p:grpSpPr>
+      <p:sp>
+        <p:nvSpPr>
+          <p:cNvPr id="6" name="標題 5"/>
+          <p:cNvSpPr>
+            <a:spLocks noGrp="1"/>
+          </p:cNvSpPr>
+          <p:nvPr>
+            <p:ph type="ctrTitle"/>
+          </p:nvPr>
+        </p:nvSpPr>
+        <p:spPr/>
+        <p:txBody>
+          <a:bodyPr/>
+          <a:lstStyle/>
+          <a:p>
+            <a:r>
+              <a:rPr lang="en-US" altLang="zh-TW" b="1" dirty="0" smtClean="0">
+                <a:latin typeface="微軟正黑體" panose="020B0604030504040204" pitchFamily="34" charset="-120"/>
+                <a:ea typeface="微軟正黑體" panose="020B0604030504040204" pitchFamily="34" charset="-120"/>
+              </a:rPr>
+              <a:t>Thank you</a:t>
+            </a:r>
+            <a:endParaRPr lang="zh-TW" altLang="en-US" b="1" dirty="0">
+              <a:latin typeface="微軟正黑體" panose="020B0604030504040204" pitchFamily="34" charset="-120"/>
+              <a:ea typeface="微軟正黑體" panose="020B0604030504040204" pitchFamily="34" charset="-120"/>
+            </a:endParaRPr>
+          </a:p>
+        </p:txBody>
+      </p:sp>
+      <p:sp>
+        <p:nvSpPr>
+          <p:cNvPr id="7" name="副標題 6"/>
+          <p:cNvSpPr>
+            <a:spLocks noGrp="1"/>
+          </p:cNvSpPr>
+          <p:nvPr>
+            <p:ph type="subTitle" idx="1"/>
+          </p:nvPr>
+        </p:nvSpPr>
+        <p:spPr/>
+        <p:txBody>
+          <a:bodyPr/>
+          <a:lstStyle/>
+          <a:p>
+            <a:endParaRPr lang="zh-TW" altLang="en-US"/>
+          </a:p>
+        </p:txBody>
+      </p:sp>
+    </p:spTree>
+    <p:extLst>
+      <p:ext uri="{BB962C8B-B14F-4D97-AF65-F5344CB8AC3E}">
+        <p14:creationId xmlns:p14="http://schemas.microsoft.com/office/powerpoint/2010/main" val="3258819667"/>
+      </p:ext>
+    </p:extLst>
+  </p:cSld>
+  <p:clrMapOvr>
+    <a:masterClrMapping/>
+  </p:clrMapOvr>
+  <p:timing>
+    <p:tnLst>
+      <p:par>
+        <p:cTn id="1" dur="indefinite" restart="never" nodeType="tmRoot"/>
+      </p:par>
+    </p:tnLst>
+  </p:timing>
 </p:sld>
 </file>
 

--- a/slides/10701/Multimedia_System/[W4] Foundation of Computer Vision.pptx
+++ b/slides/10701/Multimedia_System/[W4] Foundation of Computer Vision.pptx
@@ -5,7 +5,7 @@
     <p:sldMasterId id="2147483696" r:id="rId1"/>
   </p:sldMasterIdLst>
   <p:notesMasterIdLst>
-    <p:notesMasterId r:id="rId32"/>
+    <p:notesMasterId r:id="rId33"/>
   </p:notesMasterIdLst>
   <p:sldIdLst>
     <p:sldId id="256" r:id="rId2"/>
@@ -37,7 +37,8 @@
     <p:sldId id="382" r:id="rId28"/>
     <p:sldId id="383" r:id="rId29"/>
     <p:sldId id="391" r:id="rId30"/>
-    <p:sldId id="279" r:id="rId31"/>
+    <p:sldId id="392" r:id="rId31"/>
+    <p:sldId id="279" r:id="rId32"/>
   </p:sldIdLst>
   <p:sldSz cx="12192000" cy="6858000"/>
   <p:notesSz cx="6858000" cy="9144000"/>
@@ -12851,6 +12852,123 @@
 </file>
 
 <file path=ppt/slides/slide30.xml><?xml version="1.0" encoding="utf-8"?>
+<p:sld xmlns:a="http://schemas.openxmlformats.org/drawingml/2006/main" xmlns:r="http://schemas.openxmlformats.org/officeDocument/2006/relationships" xmlns:p="http://schemas.openxmlformats.org/presentationml/2006/main">
+  <p:cSld>
+    <p:spTree>
+      <p:nvGrpSpPr>
+        <p:cNvPr id="1" name=""/>
+        <p:cNvGrpSpPr/>
+        <p:nvPr/>
+      </p:nvGrpSpPr>
+      <p:grpSpPr>
+        <a:xfrm>
+          <a:off x="0" y="0"/>
+          <a:ext cx="0" cy="0"/>
+          <a:chOff x="0" y="0"/>
+          <a:chExt cx="0" cy="0"/>
+        </a:xfrm>
+      </p:grpSpPr>
+      <p:sp>
+        <p:nvSpPr>
+          <p:cNvPr id="2" name="標題 1"/>
+          <p:cNvSpPr>
+            <a:spLocks noGrp="1"/>
+          </p:cNvSpPr>
+          <p:nvPr>
+            <p:ph type="title"/>
+          </p:nvPr>
+        </p:nvSpPr>
+        <p:spPr/>
+        <p:txBody>
+          <a:bodyPr>
+            <a:normAutofit/>
+          </a:bodyPr>
+          <a:lstStyle/>
+          <a:p>
+            <a:pPr algn="ctr"/>
+            <a:r>
+              <a:rPr lang="zh-TW" altLang="en-US" sz="4000" b="1" dirty="0">
+                <a:latin typeface="微軟正黑體" panose="020B0604030504040204" pitchFamily="34" charset="-120"/>
+                <a:ea typeface="微軟正黑體" panose="020B0604030504040204" pitchFamily="34" charset="-120"/>
+              </a:rPr>
+              <a:t>視覺整合信號轉換的體感操控機械手臂</a:t>
+            </a:r>
+            <a:endParaRPr lang="zh-TW" altLang="en-US" sz="4000" b="1" dirty="0">
+              <a:latin typeface="微軟正黑體" panose="020B0604030504040204" pitchFamily="34" charset="-120"/>
+              <a:ea typeface="微軟正黑體" panose="020B0604030504040204" pitchFamily="34" charset="-120"/>
+            </a:endParaRPr>
+          </a:p>
+        </p:txBody>
+      </p:sp>
+      <p:sp>
+        <p:nvSpPr>
+          <p:cNvPr id="7" name="投影片編號版面配置區 2"/>
+          <p:cNvSpPr>
+            <a:spLocks noGrp="1"/>
+          </p:cNvSpPr>
+          <p:nvPr>
+            <p:ph type="sldNum" sz="quarter" idx="12"/>
+          </p:nvPr>
+        </p:nvSpPr>
+        <p:spPr>
+          <a:xfrm>
+            <a:off x="10266060" y="5870575"/>
+            <a:ext cx="551167" cy="377825"/>
+          </a:xfrm>
+        </p:spPr>
+        <p:txBody>
+          <a:bodyPr/>
+          <a:lstStyle/>
+          <a:p>
+            <a:r>
+              <a:rPr lang="en-US" altLang="zh-TW" dirty="0" smtClean="0"/>
+              <a:t>29</a:t>
+            </a:r>
+            <a:endParaRPr lang="zh-TW" altLang="en-US" dirty="0"/>
+          </a:p>
+        </p:txBody>
+      </p:sp>
+      <p:pic>
+        <p:nvPicPr>
+          <p:cNvPr id="5" name="s-rRrXRH-ks"/>
+          <p:cNvPicPr>
+            <a:picLocks noGrp="1" noRot="1" noChangeAspect="1"/>
+          </p:cNvPicPr>
+          <p:nvPr>
+            <p:ph idx="1"/>
+            <a:videoFile r:link="rId1"/>
+          </p:nvPr>
+        </p:nvPicPr>
+        <p:blipFill>
+          <a:blip r:embed="rId3"/>
+          <a:stretch>
+            <a:fillRect/>
+          </a:stretch>
+        </p:blipFill>
+        <p:spPr>
+          <a:xfrm>
+            <a:off x="2069887" y="1894660"/>
+            <a:ext cx="7363252" cy="4638025"/>
+          </a:xfrm>
+          <a:prstGeom prst="rect">
+            <a:avLst/>
+          </a:prstGeom>
+        </p:spPr>
+      </p:pic>
+    </p:spTree>
+    <p:extLst>
+      <p:ext uri="{BB962C8B-B14F-4D97-AF65-F5344CB8AC3E}">
+        <p14:creationId xmlns:p14="http://schemas.microsoft.com/office/powerpoint/2010/main" val="1217718961"/>
+      </p:ext>
+    </p:extLst>
+  </p:cSld>
+  <p:clrMapOvr>
+    <a:masterClrMapping/>
+  </p:clrMapOvr>
+</p:sld>
+</file>
+
+<file path=ppt/slides/slide31.xml><?xml version="1.0" encoding="utf-8"?>
 <p:sld xmlns:a="http://schemas.openxmlformats.org/drawingml/2006/main" xmlns:r="http://schemas.openxmlformats.org/officeDocument/2006/relationships" xmlns:p="http://schemas.openxmlformats.org/presentationml/2006/main">
   <p:cSld>
     <p:spTree>
